--- a/lectures/13.visitor/visitor.pptx
+++ b/lectures/13.visitor/visitor.pptx
@@ -229,7 +229,7 @@
           <a:p>
             <a:fld id="{2F3DCB6D-0B48-4A3D-B663-06C3F903A9D3}" type="datetimeFigureOut">
               <a:rPr lang="ru-RU" smtClean="0"/>
-              <a:t>15.11.2018</a:t>
+              <a:t>15.04.2019</a:t>
             </a:fld>
             <a:endParaRPr lang="ru-RU"/>
           </a:p>
@@ -1519,7 +1519,7 @@
           <a:p>
             <a:fld id="{2590F9C9-AB92-4E86-B698-DEC9BF4350FF}" type="datetimeFigureOut">
               <a:rPr lang="ru-RU" smtClean="0"/>
-              <a:t>15.11.2018</a:t>
+              <a:t>15.04.2019</a:t>
             </a:fld>
             <a:endParaRPr lang="ru-RU"/>
           </a:p>
@@ -1743,7 +1743,7 @@
           <a:p>
             <a:fld id="{2590F9C9-AB92-4E86-B698-DEC9BF4350FF}" type="datetimeFigureOut">
               <a:rPr lang="ru-RU" smtClean="0"/>
-              <a:t>15.11.2018</a:t>
+              <a:t>15.04.2019</a:t>
             </a:fld>
             <a:endParaRPr lang="ru-RU"/>
           </a:p>
@@ -2015,7 +2015,7 @@
           <a:p>
             <a:fld id="{2590F9C9-AB92-4E86-B698-DEC9BF4350FF}" type="datetimeFigureOut">
               <a:rPr lang="ru-RU" smtClean="0"/>
-              <a:t>15.11.2018</a:t>
+              <a:t>15.04.2019</a:t>
             </a:fld>
             <a:endParaRPr lang="ru-RU"/>
           </a:p>
@@ -2190,7 +2190,7 @@
           <a:p>
             <a:fld id="{2590F9C9-AB92-4E86-B698-DEC9BF4350FF}" type="datetimeFigureOut">
               <a:rPr lang="ru-RU" smtClean="0"/>
-              <a:t>15.11.2018</a:t>
+              <a:t>15.04.2019</a:t>
             </a:fld>
             <a:endParaRPr lang="ru-RU"/>
           </a:p>
@@ -2551,7 +2551,7 @@
           <a:p>
             <a:fld id="{2590F9C9-AB92-4E86-B698-DEC9BF4350FF}" type="datetimeFigureOut">
               <a:rPr lang="ru-RU" smtClean="0"/>
-              <a:t>15.11.2018</a:t>
+              <a:t>15.04.2019</a:t>
             </a:fld>
             <a:endParaRPr lang="ru-RU"/>
           </a:p>
@@ -2836,7 +2836,7 @@
           <a:p>
             <a:fld id="{2590F9C9-AB92-4E86-B698-DEC9BF4350FF}" type="datetimeFigureOut">
               <a:rPr lang="ru-RU" smtClean="0"/>
-              <a:t>15.11.2018</a:t>
+              <a:t>15.04.2019</a:t>
             </a:fld>
             <a:endParaRPr lang="ru-RU"/>
           </a:p>
@@ -3258,7 +3258,7 @@
           <a:p>
             <a:fld id="{2590F9C9-AB92-4E86-B698-DEC9BF4350FF}" type="datetimeFigureOut">
               <a:rPr lang="ru-RU" smtClean="0"/>
-              <a:t>15.11.2018</a:t>
+              <a:t>15.04.2019</a:t>
             </a:fld>
             <a:endParaRPr lang="ru-RU"/>
           </a:p>
@@ -3371,7 +3371,7 @@
           <a:p>
             <a:fld id="{2590F9C9-AB92-4E86-B698-DEC9BF4350FF}" type="datetimeFigureOut">
               <a:rPr lang="ru-RU" smtClean="0"/>
-              <a:t>15.11.2018</a:t>
+              <a:t>15.04.2019</a:t>
             </a:fld>
             <a:endParaRPr lang="ru-RU"/>
           </a:p>
@@ -3468,7 +3468,7 @@
           <a:p>
             <a:fld id="{2590F9C9-AB92-4E86-B698-DEC9BF4350FF}" type="datetimeFigureOut">
               <a:rPr lang="ru-RU" smtClean="0"/>
-              <a:t>15.11.2018</a:t>
+              <a:t>15.04.2019</a:t>
             </a:fld>
             <a:endParaRPr lang="ru-RU"/>
           </a:p>
@@ -3753,7 +3753,7 @@
           <a:p>
             <a:fld id="{2590F9C9-AB92-4E86-B698-DEC9BF4350FF}" type="datetimeFigureOut">
               <a:rPr lang="ru-RU" smtClean="0"/>
-              <a:t>15.11.2018</a:t>
+              <a:t>15.04.2019</a:t>
             </a:fld>
             <a:endParaRPr lang="ru-RU"/>
           </a:p>
@@ -4115,7 +4115,7 @@
           <a:p>
             <a:fld id="{2590F9C9-AB92-4E86-B698-DEC9BF4350FF}" type="datetimeFigureOut">
               <a:rPr lang="ru-RU" smtClean="0"/>
-              <a:t>15.11.2018</a:t>
+              <a:t>15.04.2019</a:t>
             </a:fld>
             <a:endParaRPr lang="ru-RU"/>
           </a:p>
@@ -4540,7 +4540,7 @@
           <a:p>
             <a:fld id="{2590F9C9-AB92-4E86-B698-DEC9BF4350FF}" type="datetimeFigureOut">
               <a:rPr lang="ru-RU" smtClean="0"/>
-              <a:t>15.11.2018</a:t>
+              <a:t>15.04.2019</a:t>
             </a:fld>
             <a:endParaRPr lang="ru-RU"/>
           </a:p>
@@ -16252,9 +16252,14 @@
                 <a:t>класса </a:t>
               </a:r>
               <a:r>
-                <a:rPr lang="ru-RU" sz="1200" dirty="0"/>
-                <a:t>объекта в структуры</a:t>
+                <a:rPr lang="ru-RU" sz="1200"/>
+                <a:t>объекта </a:t>
               </a:r>
+              <a:r>
+                <a:rPr lang="ru-RU" sz="1200" smtClean="0"/>
+                <a:t>структуры</a:t>
+              </a:r>
+              <a:endParaRPr lang="ru-RU" sz="1200" dirty="0"/>
             </a:p>
           </p:txBody>
         </p:sp>
